--- a/Term Paper/FInal.pptx
+++ b/Term Paper/FInal.pptx
@@ -10,6 +10,15 @@
     <p:sldId id="258" r:id="rId4"/>
     <p:sldId id="259" r:id="rId5"/>
     <p:sldId id="260" r:id="rId6"/>
+    <p:sldId id="261" r:id="rId7"/>
+    <p:sldId id="262" r:id="rId8"/>
+    <p:sldId id="263" r:id="rId9"/>
+    <p:sldId id="264" r:id="rId10"/>
+    <p:sldId id="265" r:id="rId11"/>
+    <p:sldId id="267" r:id="rId12"/>
+    <p:sldId id="266" r:id="rId13"/>
+    <p:sldId id="268" r:id="rId14"/>
+    <p:sldId id="269" r:id="rId15"/>
   </p:sldIdLst>
   <p:sldSz cx="12192000" cy="6858000"/>
   <p:notesSz cx="6858000" cy="9144000"/>
@@ -108,20 +117,33 @@
       </a:defRPr>
     </a:lvl9pPr>
   </p:defaultTextStyle>
+  <p:extLst>
+    <p:ext uri="{EFAFB233-063F-42B5-8137-9DF3F51BA10A}">
+      <p15:sldGuideLst xmlns:p15="http://schemas.microsoft.com/office/powerpoint/2012/main"/>
+    </p:ext>
+  </p:extLst>
 </p:presentation>
+</file>
+
+<file path=ppt/revisionInfo.xml><?xml version="1.0" encoding="utf-8"?>
+<p1510:revInfo xmlns:a="http://schemas.openxmlformats.org/drawingml/2006/main" xmlns:r="http://schemas.openxmlformats.org/officeDocument/2006/relationships" xmlns:p1510="http://schemas.microsoft.com/office/powerpoint/2015/10/main">
+  <p1510:revLst>
+    <p1510:client id="{DD623DAF-52C5-4578-ABA6-302CE339A825}" v="4" dt="2024-03-15T21:45:30.495"/>
+  </p1510:revLst>
+</p1510:revInfo>
 </file>
 
 <file path=ppt/changesInfos/changesInfo1.xml><?xml version="1.0" encoding="utf-8"?>
 <pc:chgInfo xmlns:a="http://schemas.openxmlformats.org/drawingml/2006/main" xmlns:r="http://schemas.openxmlformats.org/officeDocument/2006/relationships" xmlns:ac="http://schemas.microsoft.com/office/drawing/2013/main/command" xmlns:pc="http://schemas.microsoft.com/office/powerpoint/2013/main/command">
   <pc:docChgLst>
     <pc:chgData name="Tyler Zenisek" userId="5687274592b78541" providerId="LiveId" clId="{DD623DAF-52C5-4578-ABA6-302CE339A825}"/>
-    <pc:docChg chg="custSel modSld">
-      <pc:chgData name="Tyler Zenisek" userId="5687274592b78541" providerId="LiveId" clId="{DD623DAF-52C5-4578-ABA6-302CE339A825}" dt="2024-03-13T20:05:48.689" v="419" actId="20577"/>
+    <pc:docChg chg="custSel addSld modSld sldOrd">
+      <pc:chgData name="Tyler Zenisek" userId="5687274592b78541" providerId="LiveId" clId="{DD623DAF-52C5-4578-ABA6-302CE339A825}" dt="2024-03-18T06:35:53.514" v="4839"/>
       <pc:docMkLst>
         <pc:docMk/>
       </pc:docMkLst>
       <pc:sldChg chg="modSp mod">
-        <pc:chgData name="Tyler Zenisek" userId="5687274592b78541" providerId="LiveId" clId="{DD623DAF-52C5-4578-ABA6-302CE339A825}" dt="2024-03-13T20:05:48.689" v="419" actId="20577"/>
+        <pc:chgData name="Tyler Zenisek" userId="5687274592b78541" providerId="LiveId" clId="{DD623DAF-52C5-4578-ABA6-302CE339A825}" dt="2024-03-15T21:23:23.410" v="492" actId="27636"/>
         <pc:sldMkLst>
           <pc:docMk/>
           <pc:sldMk cId="2159460295" sldId="258"/>
@@ -135,13 +157,234 @@
           </ac:spMkLst>
         </pc:spChg>
         <pc:spChg chg="mod">
-          <ac:chgData name="Tyler Zenisek" userId="5687274592b78541" providerId="LiveId" clId="{DD623DAF-52C5-4578-ABA6-302CE339A825}" dt="2024-03-13T20:05:48.689" v="419" actId="20577"/>
+          <ac:chgData name="Tyler Zenisek" userId="5687274592b78541" providerId="LiveId" clId="{DD623DAF-52C5-4578-ABA6-302CE339A825}" dt="2024-03-15T21:23:23.410" v="492" actId="27636"/>
           <ac:spMkLst>
             <pc:docMk/>
             <pc:sldMk cId="2159460295" sldId="258"/>
             <ac:spMk id="3" creationId="{5D867832-BB16-EBB0-6FDC-14255BCD2713}"/>
           </ac:spMkLst>
         </pc:spChg>
+      </pc:sldChg>
+      <pc:sldChg chg="modSp mod">
+        <pc:chgData name="Tyler Zenisek" userId="5687274592b78541" providerId="LiveId" clId="{DD623DAF-52C5-4578-ABA6-302CE339A825}" dt="2024-03-15T21:30:20.952" v="1038" actId="20577"/>
+        <pc:sldMkLst>
+          <pc:docMk/>
+          <pc:sldMk cId="2591966188" sldId="259"/>
+        </pc:sldMkLst>
+        <pc:spChg chg="mod">
+          <ac:chgData name="Tyler Zenisek" userId="5687274592b78541" providerId="LiveId" clId="{DD623DAF-52C5-4578-ABA6-302CE339A825}" dt="2024-03-15T21:24:33.181" v="508" actId="20577"/>
+          <ac:spMkLst>
+            <pc:docMk/>
+            <pc:sldMk cId="2591966188" sldId="259"/>
+            <ac:spMk id="2" creationId="{F07281C4-89F5-7138-1356-C89A42E177E8}"/>
+          </ac:spMkLst>
+        </pc:spChg>
+        <pc:spChg chg="mod">
+          <ac:chgData name="Tyler Zenisek" userId="5687274592b78541" providerId="LiveId" clId="{DD623DAF-52C5-4578-ABA6-302CE339A825}" dt="2024-03-15T21:30:20.952" v="1038" actId="20577"/>
+          <ac:spMkLst>
+            <pc:docMk/>
+            <pc:sldMk cId="2591966188" sldId="259"/>
+            <ac:spMk id="3" creationId="{E9818B4A-C90C-CE25-0666-AFE6BE9F0807}"/>
+          </ac:spMkLst>
+        </pc:spChg>
+      </pc:sldChg>
+      <pc:sldChg chg="addSp delSp modSp mod">
+        <pc:chgData name="Tyler Zenisek" userId="5687274592b78541" providerId="LiveId" clId="{DD623DAF-52C5-4578-ABA6-302CE339A825}" dt="2024-03-15T21:40:58.138" v="1046" actId="1076"/>
+        <pc:sldMkLst>
+          <pc:docMk/>
+          <pc:sldMk cId="621128132" sldId="260"/>
+        </pc:sldMkLst>
+        <pc:spChg chg="del">
+          <ac:chgData name="Tyler Zenisek" userId="5687274592b78541" providerId="LiveId" clId="{DD623DAF-52C5-4578-ABA6-302CE339A825}" dt="2024-03-15T21:36:54.426" v="1039" actId="22"/>
+          <ac:spMkLst>
+            <pc:docMk/>
+            <pc:sldMk cId="621128132" sldId="260"/>
+            <ac:spMk id="3" creationId="{3D8DE893-7468-CAC5-8EA9-2733AA917A11}"/>
+          </ac:spMkLst>
+        </pc:spChg>
+        <pc:spChg chg="add del mod">
+          <ac:chgData name="Tyler Zenisek" userId="5687274592b78541" providerId="LiveId" clId="{DD623DAF-52C5-4578-ABA6-302CE339A825}" dt="2024-03-15T21:40:48.305" v="1043" actId="22"/>
+          <ac:spMkLst>
+            <pc:docMk/>
+            <pc:sldMk cId="621128132" sldId="260"/>
+            <ac:spMk id="7" creationId="{B9ABC0AE-80F2-6C6A-5188-08B8BBC4AB0C}"/>
+          </ac:spMkLst>
+        </pc:spChg>
+        <pc:picChg chg="add del mod ord">
+          <ac:chgData name="Tyler Zenisek" userId="5687274592b78541" providerId="LiveId" clId="{DD623DAF-52C5-4578-ABA6-302CE339A825}" dt="2024-03-15T21:37:45.252" v="1042" actId="21"/>
+          <ac:picMkLst>
+            <pc:docMk/>
+            <pc:sldMk cId="621128132" sldId="260"/>
+            <ac:picMk id="5" creationId="{4A0AF3AA-26DF-84FC-611E-DC5D4F1F7019}"/>
+          </ac:picMkLst>
+        </pc:picChg>
+        <pc:picChg chg="add mod ord">
+          <ac:chgData name="Tyler Zenisek" userId="5687274592b78541" providerId="LiveId" clId="{DD623DAF-52C5-4578-ABA6-302CE339A825}" dt="2024-03-15T21:40:58.138" v="1046" actId="1076"/>
+          <ac:picMkLst>
+            <pc:docMk/>
+            <pc:sldMk cId="621128132" sldId="260"/>
+            <ac:picMk id="9" creationId="{230E9E1B-4B81-361F-E7D1-7AFE932259E8}"/>
+          </ac:picMkLst>
+        </pc:picChg>
+      </pc:sldChg>
+      <pc:sldChg chg="addSp delSp modSp new">
+        <pc:chgData name="Tyler Zenisek" userId="5687274592b78541" providerId="LiveId" clId="{DD623DAF-52C5-4578-ABA6-302CE339A825}" dt="2024-03-15T21:45:30.495" v="1052" actId="1076"/>
+        <pc:sldMkLst>
+          <pc:docMk/>
+          <pc:sldMk cId="3890031784" sldId="261"/>
+        </pc:sldMkLst>
+        <pc:spChg chg="del">
+          <ac:chgData name="Tyler Zenisek" userId="5687274592b78541" providerId="LiveId" clId="{DD623DAF-52C5-4578-ABA6-302CE339A825}" dt="2024-03-15T21:45:21.876" v="1049"/>
+          <ac:spMkLst>
+            <pc:docMk/>
+            <pc:sldMk cId="3890031784" sldId="261"/>
+            <ac:spMk id="3" creationId="{47C47110-EC8D-1309-F983-89086C1658DD}"/>
+          </ac:spMkLst>
+        </pc:spChg>
+        <pc:picChg chg="add mod">
+          <ac:chgData name="Tyler Zenisek" userId="5687274592b78541" providerId="LiveId" clId="{DD623DAF-52C5-4578-ABA6-302CE339A825}" dt="2024-03-15T21:45:30.495" v="1052" actId="1076"/>
+          <ac:picMkLst>
+            <pc:docMk/>
+            <pc:sldMk cId="3890031784" sldId="261"/>
+            <ac:picMk id="1026" creationId="{9C78DF58-D0F8-D6E7-3127-D4F4DBC8D1F9}"/>
+          </ac:picMkLst>
+        </pc:picChg>
+      </pc:sldChg>
+      <pc:sldChg chg="modSp new mod">
+        <pc:chgData name="Tyler Zenisek" userId="5687274592b78541" providerId="LiveId" clId="{DD623DAF-52C5-4578-ABA6-302CE339A825}" dt="2024-03-15T22:02:50.937" v="2289" actId="27636"/>
+        <pc:sldMkLst>
+          <pc:docMk/>
+          <pc:sldMk cId="3978334406" sldId="262"/>
+        </pc:sldMkLst>
+        <pc:spChg chg="mod">
+          <ac:chgData name="Tyler Zenisek" userId="5687274592b78541" providerId="LiveId" clId="{DD623DAF-52C5-4578-ABA6-302CE339A825}" dt="2024-03-15T21:47:43.279" v="1069" actId="20577"/>
+          <ac:spMkLst>
+            <pc:docMk/>
+            <pc:sldMk cId="3978334406" sldId="262"/>
+            <ac:spMk id="2" creationId="{D9B2A267-BC01-9C21-BE45-61EF2C9F1A88}"/>
+          </ac:spMkLst>
+        </pc:spChg>
+        <pc:spChg chg="mod">
+          <ac:chgData name="Tyler Zenisek" userId="5687274592b78541" providerId="LiveId" clId="{DD623DAF-52C5-4578-ABA6-302CE339A825}" dt="2024-03-15T22:02:50.937" v="2289" actId="27636"/>
+          <ac:spMkLst>
+            <pc:docMk/>
+            <pc:sldMk cId="3978334406" sldId="262"/>
+            <ac:spMk id="3" creationId="{E599B57A-DDC9-285D-DA16-F1952CFE7C71}"/>
+          </ac:spMkLst>
+        </pc:spChg>
+      </pc:sldChg>
+      <pc:sldChg chg="modSp new mod">
+        <pc:chgData name="Tyler Zenisek" userId="5687274592b78541" providerId="LiveId" clId="{DD623DAF-52C5-4578-ABA6-302CE339A825}" dt="2024-03-16T21:23:18.094" v="3137" actId="20577"/>
+        <pc:sldMkLst>
+          <pc:docMk/>
+          <pc:sldMk cId="3410198099" sldId="263"/>
+        </pc:sldMkLst>
+        <pc:spChg chg="mod">
+          <ac:chgData name="Tyler Zenisek" userId="5687274592b78541" providerId="LiveId" clId="{DD623DAF-52C5-4578-ABA6-302CE339A825}" dt="2024-03-15T22:03:57.816" v="2315" actId="20577"/>
+          <ac:spMkLst>
+            <pc:docMk/>
+            <pc:sldMk cId="3410198099" sldId="263"/>
+            <ac:spMk id="2" creationId="{A5F61FE7-7F9E-B2C4-FA68-5D2B4A3E3D67}"/>
+          </ac:spMkLst>
+        </pc:spChg>
+        <pc:spChg chg="mod">
+          <ac:chgData name="Tyler Zenisek" userId="5687274592b78541" providerId="LiveId" clId="{DD623DAF-52C5-4578-ABA6-302CE339A825}" dt="2024-03-16T21:23:18.094" v="3137" actId="20577"/>
+          <ac:spMkLst>
+            <pc:docMk/>
+            <pc:sldMk cId="3410198099" sldId="263"/>
+            <ac:spMk id="3" creationId="{8B749B69-8B47-CC7C-85FE-D007816EB27F}"/>
+          </ac:spMkLst>
+        </pc:spChg>
+      </pc:sldChg>
+      <pc:sldChg chg="modSp new mod">
+        <pc:chgData name="Tyler Zenisek" userId="5687274592b78541" providerId="LiveId" clId="{DD623DAF-52C5-4578-ABA6-302CE339A825}" dt="2024-03-16T21:36:12.695" v="3642" actId="20577"/>
+        <pc:sldMkLst>
+          <pc:docMk/>
+          <pc:sldMk cId="3547830680" sldId="264"/>
+        </pc:sldMkLst>
+        <pc:spChg chg="mod">
+          <ac:chgData name="Tyler Zenisek" userId="5687274592b78541" providerId="LiveId" clId="{DD623DAF-52C5-4578-ABA6-302CE339A825}" dt="2024-03-16T21:23:37.294" v="3157" actId="20577"/>
+          <ac:spMkLst>
+            <pc:docMk/>
+            <pc:sldMk cId="3547830680" sldId="264"/>
+            <ac:spMk id="2" creationId="{20DCBF35-04EA-ADD6-3B44-EE630A90463C}"/>
+          </ac:spMkLst>
+        </pc:spChg>
+        <pc:spChg chg="mod">
+          <ac:chgData name="Tyler Zenisek" userId="5687274592b78541" providerId="LiveId" clId="{DD623DAF-52C5-4578-ABA6-302CE339A825}" dt="2024-03-16T21:36:12.695" v="3642" actId="20577"/>
+          <ac:spMkLst>
+            <pc:docMk/>
+            <pc:sldMk cId="3547830680" sldId="264"/>
+            <ac:spMk id="3" creationId="{38156274-5006-C171-B9DE-5BE1B44A32C9}"/>
+          </ac:spMkLst>
+        </pc:spChg>
+      </pc:sldChg>
+      <pc:sldChg chg="modSp new mod">
+        <pc:chgData name="Tyler Zenisek" userId="5687274592b78541" providerId="LiveId" clId="{DD623DAF-52C5-4578-ABA6-302CE339A825}" dt="2024-03-18T06:20:41.973" v="4353" actId="20577"/>
+        <pc:sldMkLst>
+          <pc:docMk/>
+          <pc:sldMk cId="4144012956" sldId="265"/>
+        </pc:sldMkLst>
+        <pc:spChg chg="mod">
+          <ac:chgData name="Tyler Zenisek" userId="5687274592b78541" providerId="LiveId" clId="{DD623DAF-52C5-4578-ABA6-302CE339A825}" dt="2024-03-18T05:59:21.523" v="3675" actId="122"/>
+          <ac:spMkLst>
+            <pc:docMk/>
+            <pc:sldMk cId="4144012956" sldId="265"/>
+            <ac:spMk id="2" creationId="{2EE24A9F-0AEE-042D-3EDB-FDBF23C58422}"/>
+          </ac:spMkLst>
+        </pc:spChg>
+        <pc:spChg chg="mod">
+          <ac:chgData name="Tyler Zenisek" userId="5687274592b78541" providerId="LiveId" clId="{DD623DAF-52C5-4578-ABA6-302CE339A825}" dt="2024-03-18T06:20:41.973" v="4353" actId="20577"/>
+          <ac:spMkLst>
+            <pc:docMk/>
+            <pc:sldMk cId="4144012956" sldId="265"/>
+            <ac:spMk id="3" creationId="{65723B79-3518-164A-FDC7-C232EA2940F2}"/>
+          </ac:spMkLst>
+        </pc:spChg>
+      </pc:sldChg>
+      <pc:sldChg chg="new">
+        <pc:chgData name="Tyler Zenisek" userId="5687274592b78541" providerId="LiveId" clId="{DD623DAF-52C5-4578-ABA6-302CE339A825}" dt="2024-03-18T06:21:10.143" v="4354" actId="680"/>
+        <pc:sldMkLst>
+          <pc:docMk/>
+          <pc:sldMk cId="787771816" sldId="266"/>
+        </pc:sldMkLst>
+      </pc:sldChg>
+      <pc:sldChg chg="modSp new mod ord">
+        <pc:chgData name="Tyler Zenisek" userId="5687274592b78541" providerId="LiveId" clId="{DD623DAF-52C5-4578-ABA6-302CE339A825}" dt="2024-03-18T06:35:53.514" v="4839"/>
+        <pc:sldMkLst>
+          <pc:docMk/>
+          <pc:sldMk cId="573683225" sldId="267"/>
+        </pc:sldMkLst>
+        <pc:spChg chg="mod">
+          <ac:chgData name="Tyler Zenisek" userId="5687274592b78541" providerId="LiveId" clId="{DD623DAF-52C5-4578-ABA6-302CE339A825}" dt="2024-03-18T06:21:19.217" v="4378" actId="5793"/>
+          <ac:spMkLst>
+            <pc:docMk/>
+            <pc:sldMk cId="573683225" sldId="267"/>
+            <ac:spMk id="2" creationId="{3925DB42-6C4F-9BF2-B877-26DE0AE11A43}"/>
+          </ac:spMkLst>
+        </pc:spChg>
+        <pc:spChg chg="mod">
+          <ac:chgData name="Tyler Zenisek" userId="5687274592b78541" providerId="LiveId" clId="{DD623DAF-52C5-4578-ABA6-302CE339A825}" dt="2024-03-18T06:23:17.039" v="4833" actId="20577"/>
+          <ac:spMkLst>
+            <pc:docMk/>
+            <pc:sldMk cId="573683225" sldId="267"/>
+            <ac:spMk id="3" creationId="{7666AB80-CAF6-FCE0-E064-410C60C98666}"/>
+          </ac:spMkLst>
+        </pc:spChg>
+      </pc:sldChg>
+      <pc:sldChg chg="new">
+        <pc:chgData name="Tyler Zenisek" userId="5687274592b78541" providerId="LiveId" clId="{DD623DAF-52C5-4578-ABA6-302CE339A825}" dt="2024-03-18T06:35:47.667" v="4834" actId="680"/>
+        <pc:sldMkLst>
+          <pc:docMk/>
+          <pc:sldMk cId="3554948335" sldId="268"/>
+        </pc:sldMkLst>
+      </pc:sldChg>
+      <pc:sldChg chg="new">
+        <pc:chgData name="Tyler Zenisek" userId="5687274592b78541" providerId="LiveId" clId="{DD623DAF-52C5-4578-ABA6-302CE339A825}" dt="2024-03-18T06:35:49.008" v="4835" actId="680"/>
+        <pc:sldMkLst>
+          <pc:docMk/>
+          <pc:sldMk cId="4292552412" sldId="269"/>
+        </pc:sldMkLst>
       </pc:sldChg>
     </pc:docChg>
   </pc:docChgLst>
@@ -299,7 +542,7 @@
           <a:p>
             <a:fld id="{9D0D92BC-42A9-434B-8530-ADBF4485E407}" type="datetimeFigureOut">
               <a:rPr lang="en-US" smtClean="0"/>
-              <a:t>3/13/2024</a:t>
+              <a:t>3/18/2024</a:t>
             </a:fld>
             <a:endParaRPr lang="en-US"/>
           </a:p>
@@ -550,7 +793,7 @@
           <a:p>
             <a:fld id="{9D0D92BC-42A9-434B-8530-ADBF4485E407}" type="datetimeFigureOut">
               <a:rPr lang="en-US" smtClean="0"/>
-              <a:t>3/13/2024</a:t>
+              <a:t>3/18/2024</a:t>
             </a:fld>
             <a:endParaRPr lang="en-US"/>
           </a:p>
@@ -758,7 +1001,7 @@
           <a:p>
             <a:fld id="{9D0D92BC-42A9-434B-8530-ADBF4485E407}" type="datetimeFigureOut">
               <a:rPr lang="en-US" smtClean="0"/>
-              <a:t>3/13/2024</a:t>
+              <a:t>3/18/2024</a:t>
             </a:fld>
             <a:endParaRPr lang="en-US"/>
           </a:p>
@@ -956,7 +1199,7 @@
           <a:p>
             <a:fld id="{9D0D92BC-42A9-434B-8530-ADBF4485E407}" type="datetimeFigureOut">
               <a:rPr lang="en-US" smtClean="0"/>
-              <a:t>3/13/2024</a:t>
+              <a:t>3/18/2024</a:t>
             </a:fld>
             <a:endParaRPr lang="en-US"/>
           </a:p>
@@ -1236,7 +1479,7 @@
           <a:p>
             <a:fld id="{9D0D92BC-42A9-434B-8530-ADBF4485E407}" type="datetimeFigureOut">
               <a:rPr lang="en-US" smtClean="0"/>
-              <a:t>3/13/2024</a:t>
+              <a:t>3/18/2024</a:t>
             </a:fld>
             <a:endParaRPr lang="en-US"/>
           </a:p>
@@ -1544,7 +1787,7 @@
           <a:p>
             <a:fld id="{9D0D92BC-42A9-434B-8530-ADBF4485E407}" type="datetimeFigureOut">
               <a:rPr lang="en-US" smtClean="0"/>
-              <a:t>3/13/2024</a:t>
+              <a:t>3/18/2024</a:t>
             </a:fld>
             <a:endParaRPr lang="en-US"/>
           </a:p>
@@ -1964,7 +2207,7 @@
           <a:p>
             <a:fld id="{9D0D92BC-42A9-434B-8530-ADBF4485E407}" type="datetimeFigureOut">
               <a:rPr lang="en-US" smtClean="0"/>
-              <a:t>3/13/2024</a:t>
+              <a:t>3/18/2024</a:t>
             </a:fld>
             <a:endParaRPr lang="en-US"/>
           </a:p>
@@ -2196,7 +2439,7 @@
           <a:p>
             <a:fld id="{9D0D92BC-42A9-434B-8530-ADBF4485E407}" type="datetimeFigureOut">
               <a:rPr lang="en-US" smtClean="0"/>
-              <a:t>3/13/2024</a:t>
+              <a:t>3/18/2024</a:t>
             </a:fld>
             <a:endParaRPr lang="en-US"/>
           </a:p>
@@ -2309,7 +2552,7 @@
           <a:p>
             <a:fld id="{9D0D92BC-42A9-434B-8530-ADBF4485E407}" type="datetimeFigureOut">
               <a:rPr lang="en-US" smtClean="0"/>
-              <a:t>3/13/2024</a:t>
+              <a:t>3/18/2024</a:t>
             </a:fld>
             <a:endParaRPr lang="en-US"/>
           </a:p>
@@ -2626,7 +2869,7 @@
           <a:p>
             <a:fld id="{9D0D92BC-42A9-434B-8530-ADBF4485E407}" type="datetimeFigureOut">
               <a:rPr lang="en-US" smtClean="0"/>
-              <a:t>3/13/2024</a:t>
+              <a:t>3/18/2024</a:t>
             </a:fld>
             <a:endParaRPr lang="en-US"/>
           </a:p>
@@ -2918,7 +3161,7 @@
           <a:p>
             <a:fld id="{9D0D92BC-42A9-434B-8530-ADBF4485E407}" type="datetimeFigureOut">
               <a:rPr lang="en-US" smtClean="0"/>
-              <a:t>3/13/2024</a:t>
+              <a:t>3/18/2024</a:t>
             </a:fld>
             <a:endParaRPr lang="en-US"/>
           </a:p>
@@ -3225,7 +3468,7 @@
             <a:fld id="{9D0D92BC-42A9-434B-8530-ADBF4485E407}" type="datetimeFigureOut">
               <a:rPr lang="en-US" smtClean="0"/>
               <a:pPr/>
-              <a:t>3/13/2024</a:t>
+              <a:t>3/18/2024</a:t>
             </a:fld>
             <a:endParaRPr lang="en-US" dirty="0"/>
           </a:p>
@@ -4031,6 +4274,498 @@
 </p:sld>
 </file>
 
+<file path=ppt/slides/slide10.xml><?xml version="1.0" encoding="utf-8"?>
+<p:sld xmlns:a="http://schemas.openxmlformats.org/drawingml/2006/main" xmlns:r="http://schemas.openxmlformats.org/officeDocument/2006/relationships" xmlns:p="http://schemas.openxmlformats.org/presentationml/2006/main">
+  <p:cSld>
+    <p:spTree>
+      <p:nvGrpSpPr>
+        <p:cNvPr id="1" name=""/>
+        <p:cNvGrpSpPr/>
+        <p:nvPr/>
+      </p:nvGrpSpPr>
+      <p:grpSpPr>
+        <a:xfrm>
+          <a:off x="0" y="0"/>
+          <a:ext cx="0" cy="0"/>
+          <a:chOff x="0" y="0"/>
+          <a:chExt cx="0" cy="0"/>
+        </a:xfrm>
+      </p:grpSpPr>
+      <p:sp>
+        <p:nvSpPr>
+          <p:cNvPr id="2" name="Title 1">
+            <a:extLst>
+              <a:ext uri="{FF2B5EF4-FFF2-40B4-BE49-F238E27FC236}">
+                <a16:creationId xmlns:a16="http://schemas.microsoft.com/office/drawing/2014/main" id="{2EE24A9F-0AEE-042D-3EDB-FDBF23C58422}"/>
+              </a:ext>
+            </a:extLst>
+          </p:cNvPr>
+          <p:cNvSpPr>
+            <a:spLocks noGrp="1"/>
+          </p:cNvSpPr>
+          <p:nvPr>
+            <p:ph type="title"/>
+          </p:nvPr>
+        </p:nvSpPr>
+        <p:spPr/>
+        <p:txBody>
+          <a:bodyPr/>
+          <a:lstStyle/>
+          <a:p>
+            <a:pPr algn="ctr"/>
+            <a:r>
+              <a:rPr lang="en-US" dirty="0"/>
+              <a:t>The JVM(Java Virtual Machine)</a:t>
+            </a:r>
+          </a:p>
+        </p:txBody>
+      </p:sp>
+      <p:sp>
+        <p:nvSpPr>
+          <p:cNvPr id="3" name="Content Placeholder 2">
+            <a:extLst>
+              <a:ext uri="{FF2B5EF4-FFF2-40B4-BE49-F238E27FC236}">
+                <a16:creationId xmlns:a16="http://schemas.microsoft.com/office/drawing/2014/main" id="{65723B79-3518-164A-FDC7-C232EA2940F2}"/>
+              </a:ext>
+            </a:extLst>
+          </p:cNvPr>
+          <p:cNvSpPr>
+            <a:spLocks noGrp="1"/>
+          </p:cNvSpPr>
+          <p:nvPr>
+            <p:ph idx="1"/>
+          </p:nvPr>
+        </p:nvSpPr>
+        <p:spPr/>
+        <p:txBody>
+          <a:bodyPr/>
+          <a:lstStyle/>
+          <a:p>
+            <a:endParaRPr lang="en-US" dirty="0"/>
+          </a:p>
+          <a:p>
+            <a:r>
+              <a:rPr lang="en-US" dirty="0"/>
+              <a:t>In the name, the JVM is a virtual machine that can be ran on most any system enabling java code or any language that uses the java encoder (such as Kotlin) to run programs.</a:t>
+            </a:r>
+          </a:p>
+          <a:p>
+            <a:r>
+              <a:rPr lang="en-US" dirty="0"/>
+              <a:t>Thus the JVM is more than just a compiler but also a program loader.</a:t>
+            </a:r>
+          </a:p>
+          <a:p>
+            <a:r>
+              <a:rPr lang="en-US" dirty="0"/>
+              <a:t>The JVM uses memory in a specific way</a:t>
+            </a:r>
+          </a:p>
+          <a:p>
+            <a:pPr lvl="1"/>
+            <a:r>
+              <a:rPr lang="en-US" dirty="0"/>
+              <a:t>	- Method Area: This is a shared resource across the JVM used for class names, function names, variables </a:t>
+            </a:r>
+            <a:r>
+              <a:rPr lang="en-US" dirty="0" err="1"/>
+              <a:t>etc</a:t>
+            </a:r>
+            <a:endParaRPr lang="en-US" dirty="0"/>
+          </a:p>
+          <a:p>
+            <a:pPr lvl="1"/>
+            <a:r>
+              <a:rPr lang="en-US" dirty="0"/>
+              <a:t>	- Heap Area where all objects are stored</a:t>
+            </a:r>
+          </a:p>
+          <a:p>
+            <a:pPr lvl="1"/>
+            <a:r>
+              <a:rPr lang="en-US" dirty="0"/>
+              <a:t>	- Stack area where all threads are stored</a:t>
+            </a:r>
+          </a:p>
+          <a:p>
+            <a:pPr lvl="1"/>
+            <a:r>
+              <a:rPr lang="en-US" dirty="0"/>
+              <a:t>	- PC Registers: This is for addressing</a:t>
+            </a:r>
+          </a:p>
+        </p:txBody>
+      </p:sp>
+    </p:spTree>
+    <p:extLst>
+      <p:ext uri="{BB962C8B-B14F-4D97-AF65-F5344CB8AC3E}">
+        <p14:creationId xmlns:p14="http://schemas.microsoft.com/office/powerpoint/2010/main" val="4144012956"/>
+      </p:ext>
+    </p:extLst>
+  </p:cSld>
+  <p:clrMapOvr>
+    <a:masterClrMapping/>
+  </p:clrMapOvr>
+</p:sld>
+</file>
+
+<file path=ppt/slides/slide11.xml><?xml version="1.0" encoding="utf-8"?>
+<p:sld xmlns:a="http://schemas.openxmlformats.org/drawingml/2006/main" xmlns:r="http://schemas.openxmlformats.org/officeDocument/2006/relationships" xmlns:p="http://schemas.openxmlformats.org/presentationml/2006/main">
+  <p:cSld>
+    <p:spTree>
+      <p:nvGrpSpPr>
+        <p:cNvPr id="1" name=""/>
+        <p:cNvGrpSpPr/>
+        <p:nvPr/>
+      </p:nvGrpSpPr>
+      <p:grpSpPr>
+        <a:xfrm>
+          <a:off x="0" y="0"/>
+          <a:ext cx="0" cy="0"/>
+          <a:chOff x="0" y="0"/>
+          <a:chExt cx="0" cy="0"/>
+        </a:xfrm>
+      </p:grpSpPr>
+      <p:sp>
+        <p:nvSpPr>
+          <p:cNvPr id="2" name="Title 1">
+            <a:extLst>
+              <a:ext uri="{FF2B5EF4-FFF2-40B4-BE49-F238E27FC236}">
+                <a16:creationId xmlns:a16="http://schemas.microsoft.com/office/drawing/2014/main" id="{3925DB42-6C4F-9BF2-B877-26DE0AE11A43}"/>
+              </a:ext>
+            </a:extLst>
+          </p:cNvPr>
+          <p:cNvSpPr>
+            <a:spLocks noGrp="1"/>
+          </p:cNvSpPr>
+          <p:nvPr>
+            <p:ph type="title"/>
+          </p:nvPr>
+        </p:nvSpPr>
+        <p:spPr/>
+        <p:txBody>
+          <a:bodyPr/>
+          <a:lstStyle/>
+          <a:p>
+            <a:pPr algn="ctr"/>
+            <a:r>
+              <a:rPr lang="en-US" dirty="0"/>
+              <a:t>The JVM continued…</a:t>
+            </a:r>
+          </a:p>
+        </p:txBody>
+      </p:sp>
+      <p:sp>
+        <p:nvSpPr>
+          <p:cNvPr id="3" name="Content Placeholder 2">
+            <a:extLst>
+              <a:ext uri="{FF2B5EF4-FFF2-40B4-BE49-F238E27FC236}">
+                <a16:creationId xmlns:a16="http://schemas.microsoft.com/office/drawing/2014/main" id="{7666AB80-CAF6-FCE0-E064-410C60C98666}"/>
+              </a:ext>
+            </a:extLst>
+          </p:cNvPr>
+          <p:cNvSpPr>
+            <a:spLocks noGrp="1"/>
+          </p:cNvSpPr>
+          <p:nvPr>
+            <p:ph idx="1"/>
+          </p:nvPr>
+        </p:nvSpPr>
+        <p:spPr/>
+        <p:txBody>
+          <a:bodyPr/>
+          <a:lstStyle/>
+          <a:p>
+            <a:r>
+              <a:rPr lang="en-US" dirty="0"/>
+              <a:t>The execution Engine is the compiler for the JVM.</a:t>
+            </a:r>
+          </a:p>
+          <a:p>
+            <a:pPr marL="541782" lvl="1" indent="-285750">
+              <a:buFontTx/>
+              <a:buChar char="-"/>
+            </a:pPr>
+            <a:r>
+              <a:rPr lang="en-US" dirty="0"/>
+              <a:t>The interpreter is first which is essentially what the C++ compilers processor or Tokenizer is</a:t>
+            </a:r>
+          </a:p>
+          <a:p>
+            <a:pPr marL="541782" lvl="1" indent="-285750">
+              <a:buFontTx/>
+              <a:buChar char="-"/>
+            </a:pPr>
+            <a:r>
+              <a:rPr lang="en-US" dirty="0"/>
+              <a:t>Then the JIT (Just-In-Time Compiler) uses the object byte code the interpreter provided to run the program</a:t>
+            </a:r>
+          </a:p>
+          <a:p>
+            <a:pPr marL="541782" lvl="1" indent="-285750">
+              <a:buFontTx/>
+              <a:buChar char="-"/>
+            </a:pPr>
+            <a:r>
+              <a:rPr lang="en-US" dirty="0"/>
+              <a:t>During program run time the Garbage Collector allocates and deallocates memory as needed to improve efficiency</a:t>
+            </a:r>
+          </a:p>
+        </p:txBody>
+      </p:sp>
+    </p:spTree>
+    <p:extLst>
+      <p:ext uri="{BB962C8B-B14F-4D97-AF65-F5344CB8AC3E}">
+        <p14:creationId xmlns:p14="http://schemas.microsoft.com/office/powerpoint/2010/main" val="573683225"/>
+      </p:ext>
+    </p:extLst>
+  </p:cSld>
+  <p:clrMapOvr>
+    <a:masterClrMapping/>
+  </p:clrMapOvr>
+</p:sld>
+</file>
+
+<file path=ppt/slides/slide12.xml><?xml version="1.0" encoding="utf-8"?>
+<p:sld xmlns:a="http://schemas.openxmlformats.org/drawingml/2006/main" xmlns:r="http://schemas.openxmlformats.org/officeDocument/2006/relationships" xmlns:p="http://schemas.openxmlformats.org/presentationml/2006/main">
+  <p:cSld>
+    <p:spTree>
+      <p:nvGrpSpPr>
+        <p:cNvPr id="1" name=""/>
+        <p:cNvGrpSpPr/>
+        <p:nvPr/>
+      </p:nvGrpSpPr>
+      <p:grpSpPr>
+        <a:xfrm>
+          <a:off x="0" y="0"/>
+          <a:ext cx="0" cy="0"/>
+          <a:chOff x="0" y="0"/>
+          <a:chExt cx="0" cy="0"/>
+        </a:xfrm>
+      </p:grpSpPr>
+      <p:sp>
+        <p:nvSpPr>
+          <p:cNvPr id="2" name="Title 1">
+            <a:extLst>
+              <a:ext uri="{FF2B5EF4-FFF2-40B4-BE49-F238E27FC236}">
+                <a16:creationId xmlns:a16="http://schemas.microsoft.com/office/drawing/2014/main" id="{797BD2A7-10D7-15CB-9FC1-37866EF3B393}"/>
+              </a:ext>
+            </a:extLst>
+          </p:cNvPr>
+          <p:cNvSpPr>
+            <a:spLocks noGrp="1"/>
+          </p:cNvSpPr>
+          <p:nvPr>
+            <p:ph type="title"/>
+          </p:nvPr>
+        </p:nvSpPr>
+        <p:spPr/>
+        <p:txBody>
+          <a:bodyPr/>
+          <a:lstStyle/>
+          <a:p>
+            <a:endParaRPr lang="en-US"/>
+          </a:p>
+        </p:txBody>
+      </p:sp>
+      <p:sp>
+        <p:nvSpPr>
+          <p:cNvPr id="3" name="Content Placeholder 2">
+            <a:extLst>
+              <a:ext uri="{FF2B5EF4-FFF2-40B4-BE49-F238E27FC236}">
+                <a16:creationId xmlns:a16="http://schemas.microsoft.com/office/drawing/2014/main" id="{D80801A9-74EC-F2C1-3ABE-85FF5AF446ED}"/>
+              </a:ext>
+            </a:extLst>
+          </p:cNvPr>
+          <p:cNvSpPr>
+            <a:spLocks noGrp="1"/>
+          </p:cNvSpPr>
+          <p:nvPr>
+            <p:ph idx="1"/>
+          </p:nvPr>
+        </p:nvSpPr>
+        <p:spPr/>
+        <p:txBody>
+          <a:bodyPr/>
+          <a:lstStyle/>
+          <a:p>
+            <a:endParaRPr lang="en-US"/>
+          </a:p>
+        </p:txBody>
+      </p:sp>
+    </p:spTree>
+    <p:extLst>
+      <p:ext uri="{BB962C8B-B14F-4D97-AF65-F5344CB8AC3E}">
+        <p14:creationId xmlns:p14="http://schemas.microsoft.com/office/powerpoint/2010/main" val="787771816"/>
+      </p:ext>
+    </p:extLst>
+  </p:cSld>
+  <p:clrMapOvr>
+    <a:masterClrMapping/>
+  </p:clrMapOvr>
+</p:sld>
+</file>
+
+<file path=ppt/slides/slide13.xml><?xml version="1.0" encoding="utf-8"?>
+<p:sld xmlns:a="http://schemas.openxmlformats.org/drawingml/2006/main" xmlns:r="http://schemas.openxmlformats.org/officeDocument/2006/relationships" xmlns:p="http://schemas.openxmlformats.org/presentationml/2006/main">
+  <p:cSld>
+    <p:spTree>
+      <p:nvGrpSpPr>
+        <p:cNvPr id="1" name=""/>
+        <p:cNvGrpSpPr/>
+        <p:nvPr/>
+      </p:nvGrpSpPr>
+      <p:grpSpPr>
+        <a:xfrm>
+          <a:off x="0" y="0"/>
+          <a:ext cx="0" cy="0"/>
+          <a:chOff x="0" y="0"/>
+          <a:chExt cx="0" cy="0"/>
+        </a:xfrm>
+      </p:grpSpPr>
+      <p:sp>
+        <p:nvSpPr>
+          <p:cNvPr id="2" name="Title 1">
+            <a:extLst>
+              <a:ext uri="{FF2B5EF4-FFF2-40B4-BE49-F238E27FC236}">
+                <a16:creationId xmlns:a16="http://schemas.microsoft.com/office/drawing/2014/main" id="{DA6FFC6B-AD1D-FF99-84F6-605AEB847694}"/>
+              </a:ext>
+            </a:extLst>
+          </p:cNvPr>
+          <p:cNvSpPr>
+            <a:spLocks noGrp="1"/>
+          </p:cNvSpPr>
+          <p:nvPr>
+            <p:ph type="title"/>
+          </p:nvPr>
+        </p:nvSpPr>
+        <p:spPr/>
+        <p:txBody>
+          <a:bodyPr/>
+          <a:lstStyle/>
+          <a:p>
+            <a:endParaRPr lang="en-US"/>
+          </a:p>
+        </p:txBody>
+      </p:sp>
+      <p:sp>
+        <p:nvSpPr>
+          <p:cNvPr id="3" name="Content Placeholder 2">
+            <a:extLst>
+              <a:ext uri="{FF2B5EF4-FFF2-40B4-BE49-F238E27FC236}">
+                <a16:creationId xmlns:a16="http://schemas.microsoft.com/office/drawing/2014/main" id="{0F1E9711-3817-7018-72FB-CC2374F4A42A}"/>
+              </a:ext>
+            </a:extLst>
+          </p:cNvPr>
+          <p:cNvSpPr>
+            <a:spLocks noGrp="1"/>
+          </p:cNvSpPr>
+          <p:nvPr>
+            <p:ph idx="1"/>
+          </p:nvPr>
+        </p:nvSpPr>
+        <p:spPr/>
+        <p:txBody>
+          <a:bodyPr/>
+          <a:lstStyle/>
+          <a:p>
+            <a:endParaRPr lang="en-US"/>
+          </a:p>
+        </p:txBody>
+      </p:sp>
+    </p:spTree>
+    <p:extLst>
+      <p:ext uri="{BB962C8B-B14F-4D97-AF65-F5344CB8AC3E}">
+        <p14:creationId xmlns:p14="http://schemas.microsoft.com/office/powerpoint/2010/main" val="3554948335"/>
+      </p:ext>
+    </p:extLst>
+  </p:cSld>
+  <p:clrMapOvr>
+    <a:masterClrMapping/>
+  </p:clrMapOvr>
+</p:sld>
+</file>
+
+<file path=ppt/slides/slide14.xml><?xml version="1.0" encoding="utf-8"?>
+<p:sld xmlns:a="http://schemas.openxmlformats.org/drawingml/2006/main" xmlns:r="http://schemas.openxmlformats.org/officeDocument/2006/relationships" xmlns:p="http://schemas.openxmlformats.org/presentationml/2006/main">
+  <p:cSld>
+    <p:spTree>
+      <p:nvGrpSpPr>
+        <p:cNvPr id="1" name=""/>
+        <p:cNvGrpSpPr/>
+        <p:nvPr/>
+      </p:nvGrpSpPr>
+      <p:grpSpPr>
+        <a:xfrm>
+          <a:off x="0" y="0"/>
+          <a:ext cx="0" cy="0"/>
+          <a:chOff x="0" y="0"/>
+          <a:chExt cx="0" cy="0"/>
+        </a:xfrm>
+      </p:grpSpPr>
+      <p:sp>
+        <p:nvSpPr>
+          <p:cNvPr id="2" name="Title 1">
+            <a:extLst>
+              <a:ext uri="{FF2B5EF4-FFF2-40B4-BE49-F238E27FC236}">
+                <a16:creationId xmlns:a16="http://schemas.microsoft.com/office/drawing/2014/main" id="{929C68C4-4C57-3A1C-A408-12F49A9E2BEC}"/>
+              </a:ext>
+            </a:extLst>
+          </p:cNvPr>
+          <p:cNvSpPr>
+            <a:spLocks noGrp="1"/>
+          </p:cNvSpPr>
+          <p:nvPr>
+            <p:ph type="title"/>
+          </p:nvPr>
+        </p:nvSpPr>
+        <p:spPr/>
+        <p:txBody>
+          <a:bodyPr/>
+          <a:lstStyle/>
+          <a:p>
+            <a:endParaRPr lang="en-US"/>
+          </a:p>
+        </p:txBody>
+      </p:sp>
+      <p:sp>
+        <p:nvSpPr>
+          <p:cNvPr id="3" name="Content Placeholder 2">
+            <a:extLst>
+              <a:ext uri="{FF2B5EF4-FFF2-40B4-BE49-F238E27FC236}">
+                <a16:creationId xmlns:a16="http://schemas.microsoft.com/office/drawing/2014/main" id="{F9A3F5ED-0C80-8C7E-1C2E-43F6085C698B}"/>
+              </a:ext>
+            </a:extLst>
+          </p:cNvPr>
+          <p:cNvSpPr>
+            <a:spLocks noGrp="1"/>
+          </p:cNvSpPr>
+          <p:nvPr>
+            <p:ph idx="1"/>
+          </p:nvPr>
+        </p:nvSpPr>
+        <p:spPr/>
+        <p:txBody>
+          <a:bodyPr/>
+          <a:lstStyle/>
+          <a:p>
+            <a:endParaRPr lang="en-US"/>
+          </a:p>
+        </p:txBody>
+      </p:sp>
+    </p:spTree>
+    <p:extLst>
+      <p:ext uri="{BB962C8B-B14F-4D97-AF65-F5344CB8AC3E}">
+        <p14:creationId xmlns:p14="http://schemas.microsoft.com/office/powerpoint/2010/main" val="4292552412"/>
+      </p:ext>
+    </p:extLst>
+  </p:cSld>
+  <p:clrMapOvr>
+    <a:masterClrMapping/>
+  </p:clrMapOvr>
+</p:sld>
+</file>
+
 <file path=ppt/slides/slide2.xml><?xml version="1.0" encoding="utf-8"?>
 <p:sld xmlns:a="http://schemas.openxmlformats.org/drawingml/2006/main" xmlns:r="http://schemas.openxmlformats.org/officeDocument/2006/relationships" xmlns:p="http://schemas.openxmlformats.org/presentationml/2006/main">
   <p:cSld>
@@ -4201,35 +4936,38 @@
           </a:xfrm>
         </p:spPr>
         <p:txBody>
-          <a:bodyPr/>
-          <a:lstStyle/>
-          <a:p>
-            <a:r>
-              <a:rPr lang="en-US" dirty="0"/>
+          <a:bodyPr>
+            <a:normAutofit fontScale="92500" lnSpcReduction="10000"/>
+          </a:bodyPr>
+          <a:lstStyle/>
+          <a:p>
+            <a:r>
+              <a:rPr lang="en-US" sz="2800" dirty="0"/>
               <a:t>Both are considered higher level programming languages </a:t>
             </a:r>
           </a:p>
           <a:p>
             <a:r>
-              <a:rPr lang="en-US" dirty="0"/>
+              <a:rPr lang="en-US" sz="2800" dirty="0"/>
               <a:t>Both are capable of data manipulation, GUI programming, servers/networking tasks, and database storage</a:t>
             </a:r>
           </a:p>
           <a:p>
             <a:r>
-              <a:rPr lang="en-US" dirty="0"/>
-              <a:t>Both offer a large collection of built in libraries </a:t>
-            </a:r>
-            <a:r>
-              <a:rPr lang="en-US"/>
-              <a:t>and documentation </a:t>
-            </a:r>
-            <a:endParaRPr lang="en-US" dirty="0"/>
-          </a:p>
-          <a:p>
-            <a:r>
-              <a:rPr lang="en-US" dirty="0"/>
+              <a:rPr lang="en-US" sz="2800" dirty="0"/>
+              <a:t>Both offer a large collection of built in libraries and documentation </a:t>
+            </a:r>
+          </a:p>
+          <a:p>
+            <a:r>
+              <a:rPr lang="en-US" sz="2800" dirty="0"/>
               <a:t>Both are popular languages today though Java is considerably more popular </a:t>
+            </a:r>
+          </a:p>
+          <a:p>
+            <a:r>
+              <a:rPr lang="en-US" sz="2800" dirty="0"/>
+              <a:t>Both are OOP languages and compiled languages</a:t>
             </a:r>
           </a:p>
           <a:p>
@@ -4288,7 +5026,11 @@
           <a:bodyPr/>
           <a:lstStyle/>
           <a:p>
-            <a:endParaRPr lang="en-US"/>
+            <a:pPr algn="ctr"/>
+            <a:r>
+              <a:rPr lang="en-US" dirty="0"/>
+              <a:t>C++</a:t>
+            </a:r>
           </a:p>
         </p:txBody>
       </p:sp>
@@ -4313,7 +5055,46 @@
           <a:bodyPr/>
           <a:lstStyle/>
           <a:p>
-            <a:endParaRPr lang="en-US"/>
+            <a:r>
+              <a:rPr lang="en-US" dirty="0"/>
+              <a:t>C++ operates closely with the hardware on a system </a:t>
+            </a:r>
+          </a:p>
+          <a:p>
+            <a:r>
+              <a:rPr lang="en-US" dirty="0"/>
+              <a:t>C++ offers fast program execution with slower loading times</a:t>
+            </a:r>
+          </a:p>
+          <a:p>
+            <a:r>
+              <a:rPr lang="en-US" dirty="0"/>
+              <a:t>C++is a strict language</a:t>
+            </a:r>
+          </a:p>
+          <a:p>
+            <a:r>
+              <a:rPr lang="en-US" dirty="0"/>
+              <a:t>C++ is well known making it fairly portable across systems</a:t>
+            </a:r>
+          </a:p>
+          <a:p>
+            <a:r>
+              <a:rPr lang="en-US" dirty="0"/>
+              <a:t>C++ has its own unique compiler </a:t>
+            </a:r>
+          </a:p>
+          <a:p>
+            <a:endParaRPr lang="en-US" dirty="0"/>
+          </a:p>
+          <a:p>
+            <a:endParaRPr lang="en-US" dirty="0"/>
+          </a:p>
+          <a:p>
+            <a:r>
+              <a:rPr lang="en-US" dirty="0"/>
+              <a:t>**C++ is difficult for new programmers to learn and difficult to read</a:t>
+            </a:r>
           </a:p>
         </p:txBody>
       </p:sp>
@@ -4372,35 +5153,538 @@
           </a:p>
         </p:txBody>
       </p:sp>
-      <p:sp>
-        <p:nvSpPr>
-          <p:cNvPr id="3" name="Content Placeholder 2">
-            <a:extLst>
-              <a:ext uri="{FF2B5EF4-FFF2-40B4-BE49-F238E27FC236}">
-                <a16:creationId xmlns:a16="http://schemas.microsoft.com/office/drawing/2014/main" id="{3D8DE893-7468-CAC5-8EA9-2733AA917A11}"/>
-              </a:ext>
-            </a:extLst>
-          </p:cNvPr>
-          <p:cNvSpPr>
-            <a:spLocks noGrp="1"/>
-          </p:cNvSpPr>
+      <p:pic>
+        <p:nvPicPr>
+          <p:cNvPr id="9" name="Content Placeholder 8">
+            <a:extLst>
+              <a:ext uri="{FF2B5EF4-FFF2-40B4-BE49-F238E27FC236}">
+                <a16:creationId xmlns:a16="http://schemas.microsoft.com/office/drawing/2014/main" id="{230E9E1B-4B81-361F-E7D1-7AFE932259E8}"/>
+              </a:ext>
+            </a:extLst>
+          </p:cNvPr>
+          <p:cNvPicPr>
+            <a:picLocks noGrp="1" noChangeAspect="1"/>
+          </p:cNvPicPr>
           <p:nvPr>
             <p:ph idx="1"/>
           </p:nvPr>
-        </p:nvSpPr>
-        <p:spPr/>
-        <p:txBody>
-          <a:bodyPr/>
-          <a:lstStyle/>
-          <a:p>
-            <a:endParaRPr lang="en-US"/>
-          </a:p>
-        </p:txBody>
-      </p:sp>
+        </p:nvPicPr>
+        <p:blipFill>
+          <a:blip r:embed="rId2"/>
+          <a:stretch>
+            <a:fillRect/>
+          </a:stretch>
+        </p:blipFill>
+        <p:spPr>
+          <a:xfrm>
+            <a:off x="2033751" y="483411"/>
+            <a:ext cx="8124497" cy="5891177"/>
+          </a:xfrm>
+        </p:spPr>
+      </p:pic>
     </p:spTree>
     <p:extLst>
       <p:ext uri="{BB962C8B-B14F-4D97-AF65-F5344CB8AC3E}">
         <p14:creationId xmlns:p14="http://schemas.microsoft.com/office/powerpoint/2010/main" val="621128132"/>
+      </p:ext>
+    </p:extLst>
+  </p:cSld>
+  <p:clrMapOvr>
+    <a:masterClrMapping/>
+  </p:clrMapOvr>
+</p:sld>
+</file>
+
+<file path=ppt/slides/slide6.xml><?xml version="1.0" encoding="utf-8"?>
+<p:sld xmlns:a="http://schemas.openxmlformats.org/drawingml/2006/main" xmlns:r="http://schemas.openxmlformats.org/officeDocument/2006/relationships" xmlns:p="http://schemas.openxmlformats.org/presentationml/2006/main">
+  <p:cSld>
+    <p:spTree>
+      <p:nvGrpSpPr>
+        <p:cNvPr id="1" name=""/>
+        <p:cNvGrpSpPr/>
+        <p:nvPr/>
+      </p:nvGrpSpPr>
+      <p:grpSpPr>
+        <a:xfrm>
+          <a:off x="0" y="0"/>
+          <a:ext cx="0" cy="0"/>
+          <a:chOff x="0" y="0"/>
+          <a:chExt cx="0" cy="0"/>
+        </a:xfrm>
+      </p:grpSpPr>
+      <p:sp>
+        <p:nvSpPr>
+          <p:cNvPr id="2" name="Title 1">
+            <a:extLst>
+              <a:ext uri="{FF2B5EF4-FFF2-40B4-BE49-F238E27FC236}">
+                <a16:creationId xmlns:a16="http://schemas.microsoft.com/office/drawing/2014/main" id="{69618D29-A0A7-F58A-D7F6-56B08F0BB00F}"/>
+              </a:ext>
+            </a:extLst>
+          </p:cNvPr>
+          <p:cNvSpPr>
+            <a:spLocks noGrp="1"/>
+          </p:cNvSpPr>
+          <p:nvPr>
+            <p:ph type="title"/>
+          </p:nvPr>
+        </p:nvSpPr>
+        <p:spPr/>
+        <p:txBody>
+          <a:bodyPr/>
+          <a:lstStyle/>
+          <a:p>
+            <a:endParaRPr lang="en-US"/>
+          </a:p>
+        </p:txBody>
+      </p:sp>
+      <p:pic>
+        <p:nvPicPr>
+          <p:cNvPr id="1026" name="Picture 2" descr="Don't touch to my C++ code. – CppDepend:">
+            <a:extLst>
+              <a:ext uri="{FF2B5EF4-FFF2-40B4-BE49-F238E27FC236}">
+                <a16:creationId xmlns:a16="http://schemas.microsoft.com/office/drawing/2014/main" id="{9C78DF58-D0F8-D6E7-3127-D4F4DBC8D1F9}"/>
+              </a:ext>
+            </a:extLst>
+          </p:cNvPr>
+          <p:cNvPicPr>
+            <a:picLocks noGrp="1" noChangeAspect="1" noChangeArrowheads="1"/>
+          </p:cNvPicPr>
+          <p:nvPr>
+            <p:ph idx="1"/>
+          </p:nvPr>
+        </p:nvPicPr>
+        <p:blipFill>
+          <a:blip r:embed="rId2">
+            <a:extLst>
+              <a:ext uri="{28A0092B-C50C-407E-A947-70E740481C1C}">
+                <a14:useLocalDpi xmlns:a14="http://schemas.microsoft.com/office/drawing/2010/main" val="0"/>
+              </a:ext>
+            </a:extLst>
+          </a:blip>
+          <a:srcRect/>
+          <a:stretch>
+            <a:fillRect/>
+          </a:stretch>
+        </p:blipFill>
+        <p:spPr bwMode="auto">
+          <a:xfrm>
+            <a:off x="952500" y="1664021"/>
+            <a:ext cx="10287000" cy="3529958"/>
+          </a:xfrm>
+          <a:prstGeom prst="rect">
+            <a:avLst/>
+          </a:prstGeom>
+          <a:noFill/>
+          <a:extLst>
+            <a:ext uri="{909E8E84-426E-40DD-AFC4-6F175D3DCCD1}">
+              <a14:hiddenFill xmlns:a14="http://schemas.microsoft.com/office/drawing/2010/main">
+                <a:solidFill>
+                  <a:srgbClr val="FFFFFF"/>
+                </a:solidFill>
+              </a14:hiddenFill>
+            </a:ext>
+          </a:extLst>
+        </p:spPr>
+      </p:pic>
+    </p:spTree>
+    <p:extLst>
+      <p:ext uri="{BB962C8B-B14F-4D97-AF65-F5344CB8AC3E}">
+        <p14:creationId xmlns:p14="http://schemas.microsoft.com/office/powerpoint/2010/main" val="3890031784"/>
+      </p:ext>
+    </p:extLst>
+  </p:cSld>
+  <p:clrMapOvr>
+    <a:masterClrMapping/>
+  </p:clrMapOvr>
+</p:sld>
+</file>
+
+<file path=ppt/slides/slide7.xml><?xml version="1.0" encoding="utf-8"?>
+<p:sld xmlns:a="http://schemas.openxmlformats.org/drawingml/2006/main" xmlns:r="http://schemas.openxmlformats.org/officeDocument/2006/relationships" xmlns:p="http://schemas.openxmlformats.org/presentationml/2006/main">
+  <p:cSld>
+    <p:spTree>
+      <p:nvGrpSpPr>
+        <p:cNvPr id="1" name=""/>
+        <p:cNvGrpSpPr/>
+        <p:nvPr/>
+      </p:nvGrpSpPr>
+      <p:grpSpPr>
+        <a:xfrm>
+          <a:off x="0" y="0"/>
+          <a:ext cx="0" cy="0"/>
+          <a:chOff x="0" y="0"/>
+          <a:chExt cx="0" cy="0"/>
+        </a:xfrm>
+      </p:grpSpPr>
+      <p:sp>
+        <p:nvSpPr>
+          <p:cNvPr id="2" name="Title 1">
+            <a:extLst>
+              <a:ext uri="{FF2B5EF4-FFF2-40B4-BE49-F238E27FC236}">
+                <a16:creationId xmlns:a16="http://schemas.microsoft.com/office/drawing/2014/main" id="{D9B2A267-BC01-9C21-BE45-61EF2C9F1A88}"/>
+              </a:ext>
+            </a:extLst>
+          </p:cNvPr>
+          <p:cNvSpPr>
+            <a:spLocks noGrp="1"/>
+          </p:cNvSpPr>
+          <p:nvPr>
+            <p:ph type="title"/>
+          </p:nvPr>
+        </p:nvSpPr>
+        <p:spPr/>
+        <p:txBody>
+          <a:bodyPr/>
+          <a:lstStyle/>
+          <a:p>
+            <a:pPr algn="ctr"/>
+            <a:r>
+              <a:rPr lang="en-US" dirty="0"/>
+              <a:t>C++ Compiler</a:t>
+            </a:r>
+          </a:p>
+        </p:txBody>
+      </p:sp>
+      <p:sp>
+        <p:nvSpPr>
+          <p:cNvPr id="3" name="Content Placeholder 2">
+            <a:extLst>
+              <a:ext uri="{FF2B5EF4-FFF2-40B4-BE49-F238E27FC236}">
+                <a16:creationId xmlns:a16="http://schemas.microsoft.com/office/drawing/2014/main" id="{E599B57A-DDC9-285D-DA16-F1952CFE7C71}"/>
+              </a:ext>
+            </a:extLst>
+          </p:cNvPr>
+          <p:cNvSpPr>
+            <a:spLocks noGrp="1"/>
+          </p:cNvSpPr>
+          <p:nvPr>
+            <p:ph idx="1"/>
+          </p:nvPr>
+        </p:nvSpPr>
+        <p:spPr/>
+        <p:txBody>
+          <a:bodyPr>
+            <a:normAutofit/>
+          </a:bodyPr>
+          <a:lstStyle/>
+          <a:p>
+            <a:r>
+              <a:rPr lang="en-US" dirty="0"/>
+              <a:t>1</a:t>
+            </a:r>
+            <a:r>
+              <a:rPr lang="en-US" baseline="30000" dirty="0"/>
+              <a:t>st</a:t>
+            </a:r>
+            <a:r>
+              <a:rPr lang="en-US" dirty="0"/>
+              <a:t>- Source program takes file in txt form and transforms them into </a:t>
+            </a:r>
+            <a:r>
+              <a:rPr lang="en-US" b="1" dirty="0"/>
+              <a:t>Object Files</a:t>
+            </a:r>
+          </a:p>
+          <a:p>
+            <a:pPr lvl="1"/>
+            <a:r>
+              <a:rPr lang="en-US" dirty="0"/>
+              <a:t>	- The processing stage where the compiler processes statements in the code such as if, ifdef, include, and 	</a:t>
+            </a:r>
+            <a:r>
+              <a:rPr lang="en-US" dirty="0" err="1"/>
+              <a:t>programa</a:t>
+            </a:r>
+            <a:r>
+              <a:rPr lang="en-US" dirty="0"/>
+              <a:t> statements</a:t>
+            </a:r>
+          </a:p>
+          <a:p>
+            <a:pPr lvl="1"/>
+            <a:r>
+              <a:rPr lang="en-US" dirty="0"/>
+              <a:t>	- Next the C++ code is split into tokenization</a:t>
+            </a:r>
+          </a:p>
+          <a:p>
+            <a:pPr lvl="1"/>
+            <a:r>
+              <a:rPr lang="en-US" dirty="0"/>
+              <a:t>	- Finally the tokens are parsed into a Concrete Syntax Tree, and further parsed from there to an Abstract 	Syntax Tree which is used to generate the Object Files</a:t>
+            </a:r>
+          </a:p>
+          <a:p>
+            <a:r>
+              <a:rPr lang="en-US" dirty="0"/>
+              <a:t>2</a:t>
+            </a:r>
+            <a:r>
+              <a:rPr lang="en-US" baseline="30000" dirty="0"/>
+              <a:t>nd</a:t>
+            </a:r>
+            <a:r>
+              <a:rPr lang="en-US" dirty="0"/>
+              <a:t>- The C++ linker takes the resulted Object Files and uses them to create a single binary file. </a:t>
+            </a:r>
+          </a:p>
+          <a:p>
+            <a:pPr lvl="1"/>
+            <a:r>
+              <a:rPr lang="en-US" dirty="0"/>
+              <a:t>	- The linker specifically uses the Object Files produced via the Translation Units in the beginning of 	compilation</a:t>
+            </a:r>
+          </a:p>
+          <a:p>
+            <a:r>
+              <a:rPr lang="en-US" dirty="0"/>
+              <a:t>3</a:t>
+            </a:r>
+            <a:r>
+              <a:rPr lang="en-US" baseline="30000" dirty="0"/>
+              <a:t>rd</a:t>
+            </a:r>
+            <a:r>
+              <a:rPr lang="en-US" dirty="0"/>
+              <a:t>- The Single binary file is executed on a hardware level to run the program</a:t>
+            </a:r>
+          </a:p>
+        </p:txBody>
+      </p:sp>
+    </p:spTree>
+    <p:extLst>
+      <p:ext uri="{BB962C8B-B14F-4D97-AF65-F5344CB8AC3E}">
+        <p14:creationId xmlns:p14="http://schemas.microsoft.com/office/powerpoint/2010/main" val="3978334406"/>
+      </p:ext>
+    </p:extLst>
+  </p:cSld>
+  <p:clrMapOvr>
+    <a:masterClrMapping/>
+  </p:clrMapOvr>
+</p:sld>
+</file>
+
+<file path=ppt/slides/slide8.xml><?xml version="1.0" encoding="utf-8"?>
+<p:sld xmlns:a="http://schemas.openxmlformats.org/drawingml/2006/main" xmlns:r="http://schemas.openxmlformats.org/officeDocument/2006/relationships" xmlns:p="http://schemas.openxmlformats.org/presentationml/2006/main">
+  <p:cSld>
+    <p:spTree>
+      <p:nvGrpSpPr>
+        <p:cNvPr id="1" name=""/>
+        <p:cNvGrpSpPr/>
+        <p:nvPr/>
+      </p:nvGrpSpPr>
+      <p:grpSpPr>
+        <a:xfrm>
+          <a:off x="0" y="0"/>
+          <a:ext cx="0" cy="0"/>
+          <a:chOff x="0" y="0"/>
+          <a:chExt cx="0" cy="0"/>
+        </a:xfrm>
+      </p:grpSpPr>
+      <p:sp>
+        <p:nvSpPr>
+          <p:cNvPr id="2" name="Title 1">
+            <a:extLst>
+              <a:ext uri="{FF2B5EF4-FFF2-40B4-BE49-F238E27FC236}">
+                <a16:creationId xmlns:a16="http://schemas.microsoft.com/office/drawing/2014/main" id="{A5F61FE7-7F9E-B2C4-FA68-5D2B4A3E3D67}"/>
+              </a:ext>
+            </a:extLst>
+          </p:cNvPr>
+          <p:cNvSpPr>
+            <a:spLocks noGrp="1"/>
+          </p:cNvSpPr>
+          <p:nvPr>
+            <p:ph type="title"/>
+          </p:nvPr>
+        </p:nvSpPr>
+        <p:spPr/>
+        <p:txBody>
+          <a:bodyPr/>
+          <a:lstStyle/>
+          <a:p>
+            <a:pPr algn="ctr"/>
+            <a:r>
+              <a:rPr lang="en-US" dirty="0"/>
+              <a:t>How does java compare?</a:t>
+            </a:r>
+          </a:p>
+        </p:txBody>
+      </p:sp>
+      <p:sp>
+        <p:nvSpPr>
+          <p:cNvPr id="3" name="Content Placeholder 2">
+            <a:extLst>
+              <a:ext uri="{FF2B5EF4-FFF2-40B4-BE49-F238E27FC236}">
+                <a16:creationId xmlns:a16="http://schemas.microsoft.com/office/drawing/2014/main" id="{8B749B69-8B47-CC7C-85FE-D007816EB27F}"/>
+              </a:ext>
+            </a:extLst>
+          </p:cNvPr>
+          <p:cNvSpPr>
+            <a:spLocks noGrp="1"/>
+          </p:cNvSpPr>
+          <p:nvPr>
+            <p:ph idx="1"/>
+          </p:nvPr>
+        </p:nvSpPr>
+        <p:spPr/>
+        <p:txBody>
+          <a:bodyPr/>
+          <a:lstStyle/>
+          <a:p>
+            <a:r>
+              <a:rPr lang="en-US" dirty="0"/>
+              <a:t>Java exists as an easier and more portable C++</a:t>
+            </a:r>
+          </a:p>
+          <a:p>
+            <a:r>
+              <a:rPr lang="en-US" dirty="0"/>
+              <a:t>Java is significantly easier to learn to program</a:t>
+            </a:r>
+          </a:p>
+          <a:p>
+            <a:r>
+              <a:rPr lang="en-US" dirty="0"/>
+              <a:t>Java has a different compiler known as the JVM (Java Virtual Machine) which is more portable</a:t>
+            </a:r>
+          </a:p>
+          <a:p>
+            <a:r>
+              <a:rPr lang="en-US" dirty="0"/>
+              <a:t>Java simplifies the typing of variables and data manipulation by automating copying and address reallocation</a:t>
+            </a:r>
+          </a:p>
+          <a:p>
+            <a:r>
+              <a:rPr lang="en-US" dirty="0"/>
+              <a:t>Java is far more Object Orientated than C++ is in the sense that everything is a class</a:t>
+            </a:r>
+          </a:p>
+          <a:p>
+            <a:r>
+              <a:rPr lang="en-US" dirty="0"/>
+              <a:t>Java offers several more features than C++ making it a more popular and flexible language such as class reflection, and code injection</a:t>
+            </a:r>
+          </a:p>
+        </p:txBody>
+      </p:sp>
+    </p:spTree>
+    <p:extLst>
+      <p:ext uri="{BB962C8B-B14F-4D97-AF65-F5344CB8AC3E}">
+        <p14:creationId xmlns:p14="http://schemas.microsoft.com/office/powerpoint/2010/main" val="3410198099"/>
+      </p:ext>
+    </p:extLst>
+  </p:cSld>
+  <p:clrMapOvr>
+    <a:masterClrMapping/>
+  </p:clrMapOvr>
+</p:sld>
+</file>
+
+<file path=ppt/slides/slide9.xml><?xml version="1.0" encoding="utf-8"?>
+<p:sld xmlns:a="http://schemas.openxmlformats.org/drawingml/2006/main" xmlns:r="http://schemas.openxmlformats.org/officeDocument/2006/relationships" xmlns:p="http://schemas.openxmlformats.org/presentationml/2006/main">
+  <p:cSld>
+    <p:spTree>
+      <p:nvGrpSpPr>
+        <p:cNvPr id="1" name=""/>
+        <p:cNvGrpSpPr/>
+        <p:nvPr/>
+      </p:nvGrpSpPr>
+      <p:grpSpPr>
+        <a:xfrm>
+          <a:off x="0" y="0"/>
+          <a:ext cx="0" cy="0"/>
+          <a:chOff x="0" y="0"/>
+          <a:chExt cx="0" cy="0"/>
+        </a:xfrm>
+      </p:grpSpPr>
+      <p:sp>
+        <p:nvSpPr>
+          <p:cNvPr id="2" name="Title 1">
+            <a:extLst>
+              <a:ext uri="{FF2B5EF4-FFF2-40B4-BE49-F238E27FC236}">
+                <a16:creationId xmlns:a16="http://schemas.microsoft.com/office/drawing/2014/main" id="{20DCBF35-04EA-ADD6-3B44-EE630A90463C}"/>
+              </a:ext>
+            </a:extLst>
+          </p:cNvPr>
+          <p:cNvSpPr>
+            <a:spLocks noGrp="1"/>
+          </p:cNvSpPr>
+          <p:nvPr>
+            <p:ph type="title"/>
+          </p:nvPr>
+        </p:nvSpPr>
+        <p:spPr/>
+        <p:txBody>
+          <a:bodyPr/>
+          <a:lstStyle/>
+          <a:p>
+            <a:pPr algn="ctr"/>
+            <a:r>
+              <a:rPr lang="en-US" dirty="0"/>
+              <a:t>Java Disadvantages</a:t>
+            </a:r>
+          </a:p>
+        </p:txBody>
+      </p:sp>
+      <p:sp>
+        <p:nvSpPr>
+          <p:cNvPr id="3" name="Content Placeholder 2">
+            <a:extLst>
+              <a:ext uri="{FF2B5EF4-FFF2-40B4-BE49-F238E27FC236}">
+                <a16:creationId xmlns:a16="http://schemas.microsoft.com/office/drawing/2014/main" id="{38156274-5006-C171-B9DE-5BE1B44A32C9}"/>
+              </a:ext>
+            </a:extLst>
+          </p:cNvPr>
+          <p:cNvSpPr>
+            <a:spLocks noGrp="1"/>
+          </p:cNvSpPr>
+          <p:nvPr>
+            <p:ph idx="1"/>
+          </p:nvPr>
+        </p:nvSpPr>
+        <p:spPr/>
+        <p:txBody>
+          <a:bodyPr/>
+          <a:lstStyle/>
+          <a:p>
+            <a:r>
+              <a:rPr lang="en-US" dirty="0"/>
+              <a:t>Java is a heavy language that requires a large amount of storage to run due to the JVM</a:t>
+            </a:r>
+          </a:p>
+          <a:p>
+            <a:r>
+              <a:rPr lang="en-US" dirty="0"/>
+              <a:t>Java in design with large projects leads to very complex and messy code that can overtake that of C++</a:t>
+            </a:r>
+          </a:p>
+          <a:p>
+            <a:r>
+              <a:rPr lang="en-US" dirty="0"/>
+              <a:t>Java lacks the manual features of C++ that enable a user to handle addressing themselves</a:t>
+            </a:r>
+          </a:p>
+          <a:p>
+            <a:r>
+              <a:rPr lang="en-US" dirty="0"/>
+              <a:t>Java now does require a commercial license to deploy and use many of its higher </a:t>
+            </a:r>
+            <a:r>
+              <a:rPr lang="en-US"/>
+              <a:t>end features</a:t>
+            </a:r>
+            <a:endParaRPr lang="en-US" dirty="0"/>
+          </a:p>
+          <a:p>
+            <a:endParaRPr lang="en-US" dirty="0"/>
+          </a:p>
+        </p:txBody>
+      </p:sp>
+    </p:spTree>
+    <p:extLst>
+      <p:ext uri="{BB962C8B-B14F-4D97-AF65-F5344CB8AC3E}">
+        <p14:creationId xmlns:p14="http://schemas.microsoft.com/office/powerpoint/2010/main" val="3547830680"/>
       </p:ext>
     </p:extLst>
   </p:cSld>

--- a/Term Paper/FInal.pptx
+++ b/Term Paper/FInal.pptx
@@ -128,7 +128,7 @@
 <file path=ppt/revisionInfo.xml><?xml version="1.0" encoding="utf-8"?>
 <p1510:revInfo xmlns:a="http://schemas.openxmlformats.org/drawingml/2006/main" xmlns:r="http://schemas.openxmlformats.org/officeDocument/2006/relationships" xmlns:p1510="http://schemas.microsoft.com/office/powerpoint/2015/10/main">
   <p1510:revLst>
-    <p1510:client id="{DD623DAF-52C5-4578-ABA6-302CE339A825}" v="4" dt="2024-03-15T21:45:30.495"/>
+    <p1510:client id="{DD623DAF-52C5-4578-ABA6-302CE339A825}" v="13" dt="2024-03-26T16:04:19.607"/>
   </p1510:revLst>
 </p1510:revInfo>
 </file>
@@ -138,7 +138,7 @@
   <pc:docChgLst>
     <pc:chgData name="Tyler Zenisek" userId="5687274592b78541" providerId="LiveId" clId="{DD623DAF-52C5-4578-ABA6-302CE339A825}"/>
     <pc:docChg chg="custSel addSld modSld sldOrd">
-      <pc:chgData name="Tyler Zenisek" userId="5687274592b78541" providerId="LiveId" clId="{DD623DAF-52C5-4578-ABA6-302CE339A825}" dt="2024-03-18T06:35:53.514" v="4839"/>
+      <pc:chgData name="Tyler Zenisek" userId="5687274592b78541" providerId="LiveId" clId="{DD623DAF-52C5-4578-ABA6-302CE339A825}" dt="2024-03-26T16:04:19.607" v="5100" actId="1076"/>
       <pc:docMkLst>
         <pc:docMk/>
       </pc:docMkLst>
@@ -342,12 +342,44 @@
           </ac:spMkLst>
         </pc:spChg>
       </pc:sldChg>
-      <pc:sldChg chg="new">
-        <pc:chgData name="Tyler Zenisek" userId="5687274592b78541" providerId="LiveId" clId="{DD623DAF-52C5-4578-ABA6-302CE339A825}" dt="2024-03-18T06:21:10.143" v="4354" actId="680"/>
+      <pc:sldChg chg="addSp modSp new mod">
+        <pc:chgData name="Tyler Zenisek" userId="5687274592b78541" providerId="LiveId" clId="{DD623DAF-52C5-4578-ABA6-302CE339A825}" dt="2024-03-26T16:04:19.607" v="5100" actId="1076"/>
         <pc:sldMkLst>
           <pc:docMk/>
           <pc:sldMk cId="787771816" sldId="266"/>
         </pc:sldMkLst>
+        <pc:spChg chg="mod">
+          <ac:chgData name="Tyler Zenisek" userId="5687274592b78541" providerId="LiveId" clId="{DD623DAF-52C5-4578-ABA6-302CE339A825}" dt="2024-03-26T16:00:14.282" v="4852" actId="20577"/>
+          <ac:spMkLst>
+            <pc:docMk/>
+            <pc:sldMk cId="787771816" sldId="266"/>
+            <ac:spMk id="2" creationId="{797BD2A7-10D7-15CB-9FC1-37866EF3B393}"/>
+          </ac:spMkLst>
+        </pc:spChg>
+        <pc:spChg chg="mod">
+          <ac:chgData name="Tyler Zenisek" userId="5687274592b78541" providerId="LiveId" clId="{DD623DAF-52C5-4578-ABA6-302CE339A825}" dt="2024-03-26T16:03:53.003" v="5096" actId="1076"/>
+          <ac:spMkLst>
+            <pc:docMk/>
+            <pc:sldMk cId="787771816" sldId="266"/>
+            <ac:spMk id="3" creationId="{D80801A9-74EC-F2C1-3ABE-85FF5AF446ED}"/>
+          </ac:spMkLst>
+        </pc:spChg>
+        <pc:picChg chg="add mod">
+          <ac:chgData name="Tyler Zenisek" userId="5687274592b78541" providerId="LiveId" clId="{DD623DAF-52C5-4578-ABA6-302CE339A825}" dt="2024-03-26T16:03:53.003" v="5096" actId="1076"/>
+          <ac:picMkLst>
+            <pc:docMk/>
+            <pc:sldMk cId="787771816" sldId="266"/>
+            <ac:picMk id="1026" creationId="{E55CF3DF-10C4-878B-BDD5-E863F0847191}"/>
+          </ac:picMkLst>
+        </pc:picChg>
+        <pc:picChg chg="add mod">
+          <ac:chgData name="Tyler Zenisek" userId="5687274592b78541" providerId="LiveId" clId="{DD623DAF-52C5-4578-ABA6-302CE339A825}" dt="2024-03-26T16:04:19.607" v="5100" actId="1076"/>
+          <ac:picMkLst>
+            <pc:docMk/>
+            <pc:sldMk cId="787771816" sldId="266"/>
+            <ac:picMk id="1028" creationId="{9184001B-8235-D22A-A745-6F9340F496E2}"/>
+          </ac:picMkLst>
+        </pc:picChg>
       </pc:sldChg>
       <pc:sldChg chg="modSp new mod ord">
         <pc:chgData name="Tyler Zenisek" userId="5687274592b78541" providerId="LiveId" clId="{DD623DAF-52C5-4578-ABA6-302CE339A825}" dt="2024-03-18T06:35:53.514" v="4839"/>
@@ -542,7 +574,7 @@
           <a:p>
             <a:fld id="{9D0D92BC-42A9-434B-8530-ADBF4485E407}" type="datetimeFigureOut">
               <a:rPr lang="en-US" smtClean="0"/>
-              <a:t>3/18/2024</a:t>
+              <a:t>3/26/2024</a:t>
             </a:fld>
             <a:endParaRPr lang="en-US"/>
           </a:p>
@@ -793,7 +825,7 @@
           <a:p>
             <a:fld id="{9D0D92BC-42A9-434B-8530-ADBF4485E407}" type="datetimeFigureOut">
               <a:rPr lang="en-US" smtClean="0"/>
-              <a:t>3/18/2024</a:t>
+              <a:t>3/26/2024</a:t>
             </a:fld>
             <a:endParaRPr lang="en-US"/>
           </a:p>
@@ -1001,7 +1033,7 @@
           <a:p>
             <a:fld id="{9D0D92BC-42A9-434B-8530-ADBF4485E407}" type="datetimeFigureOut">
               <a:rPr lang="en-US" smtClean="0"/>
-              <a:t>3/18/2024</a:t>
+              <a:t>3/26/2024</a:t>
             </a:fld>
             <a:endParaRPr lang="en-US"/>
           </a:p>
@@ -1199,7 +1231,7 @@
           <a:p>
             <a:fld id="{9D0D92BC-42A9-434B-8530-ADBF4485E407}" type="datetimeFigureOut">
               <a:rPr lang="en-US" smtClean="0"/>
-              <a:t>3/18/2024</a:t>
+              <a:t>3/26/2024</a:t>
             </a:fld>
             <a:endParaRPr lang="en-US"/>
           </a:p>
@@ -1479,7 +1511,7 @@
           <a:p>
             <a:fld id="{9D0D92BC-42A9-434B-8530-ADBF4485E407}" type="datetimeFigureOut">
               <a:rPr lang="en-US" smtClean="0"/>
-              <a:t>3/18/2024</a:t>
+              <a:t>3/26/2024</a:t>
             </a:fld>
             <a:endParaRPr lang="en-US"/>
           </a:p>
@@ -1787,7 +1819,7 @@
           <a:p>
             <a:fld id="{9D0D92BC-42A9-434B-8530-ADBF4485E407}" type="datetimeFigureOut">
               <a:rPr lang="en-US" smtClean="0"/>
-              <a:t>3/18/2024</a:t>
+              <a:t>3/26/2024</a:t>
             </a:fld>
             <a:endParaRPr lang="en-US"/>
           </a:p>
@@ -2207,7 +2239,7 @@
           <a:p>
             <a:fld id="{9D0D92BC-42A9-434B-8530-ADBF4485E407}" type="datetimeFigureOut">
               <a:rPr lang="en-US" smtClean="0"/>
-              <a:t>3/18/2024</a:t>
+              <a:t>3/26/2024</a:t>
             </a:fld>
             <a:endParaRPr lang="en-US"/>
           </a:p>
@@ -2439,7 +2471,7 @@
           <a:p>
             <a:fld id="{9D0D92BC-42A9-434B-8530-ADBF4485E407}" type="datetimeFigureOut">
               <a:rPr lang="en-US" smtClean="0"/>
-              <a:t>3/18/2024</a:t>
+              <a:t>3/26/2024</a:t>
             </a:fld>
             <a:endParaRPr lang="en-US"/>
           </a:p>
@@ -2552,7 +2584,7 @@
           <a:p>
             <a:fld id="{9D0D92BC-42A9-434B-8530-ADBF4485E407}" type="datetimeFigureOut">
               <a:rPr lang="en-US" smtClean="0"/>
-              <a:t>3/18/2024</a:t>
+              <a:t>3/26/2024</a:t>
             </a:fld>
             <a:endParaRPr lang="en-US"/>
           </a:p>
@@ -2869,7 +2901,7 @@
           <a:p>
             <a:fld id="{9D0D92BC-42A9-434B-8530-ADBF4485E407}" type="datetimeFigureOut">
               <a:rPr lang="en-US" smtClean="0"/>
-              <a:t>3/18/2024</a:t>
+              <a:t>3/26/2024</a:t>
             </a:fld>
             <a:endParaRPr lang="en-US"/>
           </a:p>
@@ -3161,7 +3193,7 @@
           <a:p>
             <a:fld id="{9D0D92BC-42A9-434B-8530-ADBF4485E407}" type="datetimeFigureOut">
               <a:rPr lang="en-US" smtClean="0"/>
-              <a:t>3/18/2024</a:t>
+              <a:t>3/26/2024</a:t>
             </a:fld>
             <a:endParaRPr lang="en-US"/>
           </a:p>
@@ -3468,7 +3500,7 @@
             <a:fld id="{9D0D92BC-42A9-434B-8530-ADBF4485E407}" type="datetimeFigureOut">
               <a:rPr lang="en-US" smtClean="0"/>
               <a:pPr/>
-              <a:t>3/18/2024</a:t>
+              <a:t>3/26/2024</a:t>
             </a:fld>
             <a:endParaRPr lang="en-US" dirty="0"/>
           </a:p>
@@ -4564,7 +4596,11 @@
           <a:bodyPr/>
           <a:lstStyle/>
           <a:p>
-            <a:endParaRPr lang="en-US"/>
+            <a:pPr algn="ctr"/>
+            <a:r>
+              <a:rPr lang="en-US" dirty="0"/>
+              <a:t>Java Support</a:t>
+            </a:r>
           </a:p>
         </p:txBody>
       </p:sp>
@@ -4584,15 +4620,170 @@
             <p:ph idx="1"/>
           </p:nvPr>
         </p:nvSpPr>
-        <p:spPr/>
-        <p:txBody>
-          <a:bodyPr/>
-          <a:lstStyle/>
-          <a:p>
-            <a:endParaRPr lang="en-US"/>
-          </a:p>
-        </p:txBody>
-      </p:sp>
+        <p:spPr>
+          <a:xfrm>
+            <a:off x="952499" y="2209797"/>
+            <a:ext cx="10287000" cy="3890965"/>
+          </a:xfrm>
+        </p:spPr>
+        <p:txBody>
+          <a:bodyPr/>
+          <a:lstStyle/>
+          <a:p>
+            <a:r>
+              <a:rPr lang="en-US" dirty="0"/>
+              <a:t>Spring Boot</a:t>
+            </a:r>
+          </a:p>
+          <a:p>
+            <a:pPr marL="541782" lvl="1" indent="-285750">
+              <a:buFontTx/>
+              <a:buChar char="-"/>
+            </a:pPr>
+            <a:r>
+              <a:rPr lang="en-US" dirty="0"/>
+              <a:t>Servers</a:t>
+            </a:r>
+          </a:p>
+          <a:p>
+            <a:pPr marL="541782" lvl="1" indent="-285750">
+              <a:buFontTx/>
+              <a:buChar char="-"/>
+            </a:pPr>
+            <a:r>
+              <a:rPr lang="en-US" dirty="0"/>
+              <a:t>Web Development</a:t>
+            </a:r>
+          </a:p>
+          <a:p>
+            <a:pPr marL="541782" lvl="1" indent="-285750">
+              <a:buFontTx/>
+              <a:buChar char="-"/>
+            </a:pPr>
+            <a:r>
+              <a:rPr lang="en-US" dirty="0"/>
+              <a:t>Web Hosting</a:t>
+            </a:r>
+          </a:p>
+          <a:p>
+            <a:pPr marL="541782" lvl="1" indent="-285750">
+              <a:buFontTx/>
+              <a:buChar char="-"/>
+            </a:pPr>
+            <a:r>
+              <a:rPr lang="en-US" dirty="0"/>
+              <a:t>Microservices </a:t>
+            </a:r>
+          </a:p>
+          <a:p>
+            <a:r>
+              <a:rPr lang="en-US" dirty="0"/>
+              <a:t>Android Development with Android Studio</a:t>
+            </a:r>
+          </a:p>
+          <a:p>
+            <a:pPr lvl="1"/>
+            <a:r>
+              <a:rPr lang="en-US" dirty="0"/>
+              <a:t>- Android App Development front to mid end</a:t>
+            </a:r>
+          </a:p>
+        </p:txBody>
+      </p:sp>
+      <p:pic>
+        <p:nvPicPr>
+          <p:cNvPr id="1026" name="Picture 2" descr="Getting Started with Spring Boot. Spring boot is an app development… | by  Tosin Adedoyin | Medium">
+            <a:extLst>
+              <a:ext uri="{FF2B5EF4-FFF2-40B4-BE49-F238E27FC236}">
+                <a16:creationId xmlns:a16="http://schemas.microsoft.com/office/drawing/2014/main" id="{E55CF3DF-10C4-878B-BDD5-E863F0847191}"/>
+              </a:ext>
+            </a:extLst>
+          </p:cNvPr>
+          <p:cNvPicPr>
+            <a:picLocks noChangeAspect="1" noChangeArrowheads="1"/>
+          </p:cNvPicPr>
+          <p:nvPr/>
+        </p:nvPicPr>
+        <p:blipFill>
+          <a:blip r:embed="rId2">
+            <a:extLst>
+              <a:ext uri="{28A0092B-C50C-407E-A947-70E740481C1C}">
+                <a14:useLocalDpi xmlns:a14="http://schemas.microsoft.com/office/drawing/2010/main" val="0"/>
+              </a:ext>
+            </a:extLst>
+          </a:blip>
+          <a:srcRect/>
+          <a:stretch>
+            <a:fillRect/>
+          </a:stretch>
+        </p:blipFill>
+        <p:spPr bwMode="auto">
+          <a:xfrm>
+            <a:off x="4462462" y="2652713"/>
+            <a:ext cx="3267075" cy="1400175"/>
+          </a:xfrm>
+          <a:prstGeom prst="rect">
+            <a:avLst/>
+          </a:prstGeom>
+          <a:noFill/>
+          <a:extLst>
+            <a:ext uri="{909E8E84-426E-40DD-AFC4-6F175D3DCCD1}">
+              <a14:hiddenFill xmlns:a14="http://schemas.microsoft.com/office/drawing/2010/main">
+                <a:solidFill>
+                  <a:srgbClr val="FFFFFF"/>
+                </a:solidFill>
+              </a14:hiddenFill>
+            </a:ext>
+          </a:extLst>
+        </p:spPr>
+      </p:pic>
+      <p:pic>
+        <p:nvPicPr>
+          <p:cNvPr id="1028" name="Picture 4" descr="2023's Top-Ranked Android Development IDEs and Tools | The Best IDEs">
+            <a:extLst>
+              <a:ext uri="{FF2B5EF4-FFF2-40B4-BE49-F238E27FC236}">
+                <a16:creationId xmlns:a16="http://schemas.microsoft.com/office/drawing/2014/main" id="{9184001B-8235-D22A-A745-6F9340F496E2}"/>
+              </a:ext>
+            </a:extLst>
+          </p:cNvPr>
+          <p:cNvPicPr>
+            <a:picLocks noChangeAspect="1" noChangeArrowheads="1"/>
+          </p:cNvPicPr>
+          <p:nvPr/>
+        </p:nvPicPr>
+        <p:blipFill>
+          <a:blip r:embed="rId3">
+            <a:extLst>
+              <a:ext uri="{28A0092B-C50C-407E-A947-70E740481C1C}">
+                <a14:useLocalDpi xmlns:a14="http://schemas.microsoft.com/office/drawing/2010/main" val="0"/>
+              </a:ext>
+            </a:extLst>
+          </a:blip>
+          <a:srcRect/>
+          <a:stretch>
+            <a:fillRect/>
+          </a:stretch>
+        </p:blipFill>
+        <p:spPr bwMode="auto">
+          <a:xfrm>
+            <a:off x="6483241" y="3914450"/>
+            <a:ext cx="4521091" cy="2629228"/>
+          </a:xfrm>
+          <a:prstGeom prst="rect">
+            <a:avLst/>
+          </a:prstGeom>
+          <a:noFill/>
+          <a:extLst>
+            <a:ext uri="{909E8E84-426E-40DD-AFC4-6F175D3DCCD1}">
+              <a14:hiddenFill xmlns:a14="http://schemas.microsoft.com/office/drawing/2010/main">
+                <a:solidFill>
+                  <a:srgbClr val="FFFFFF"/>
+                </a:solidFill>
+              </a14:hiddenFill>
+            </a:ext>
+          </a:extLst>
+        </p:spPr>
+      </p:pic>
     </p:spTree>
     <p:extLst>
       <p:ext uri="{BB962C8B-B14F-4D97-AF65-F5344CB8AC3E}">
